--- a/doc/Task06/TerminSozialarbeiter.pptx
+++ b/doc/Task06/TerminSozialarbeiter.pptx
@@ -1,6 +1,6 @@
 
 <file path=ppt/presentation.xml><?xml version="1.0" encoding="utf-8"?>
-<p:presentation xmlns:a="http://schemas.openxmlformats.org/drawingml/2006/main" xmlns:r="http://schemas.openxmlformats.org/officeDocument/2006/relationships" xmlns:p="http://schemas.openxmlformats.org/presentationml/2006/main" saveSubsetFonts="1">
+<p:presentation xmlns:a="http://schemas.openxmlformats.org/drawingml/2006/main" xmlns:r="http://schemas.openxmlformats.org/officeDocument/2006/relationships" xmlns:p="http://schemas.openxmlformats.org/presentationml/2006/main" serverZoom="50684" saveSubsetFonts="1">
   <p:sldMasterIdLst>
     <p:sldMasterId id="2147483648" r:id="rId1"/>
   </p:sldMasterIdLst>
@@ -106,7 +106,18 @@
   </p:defaultTextStyle>
   <p:extLst>
     <p:ext uri="{EFAFB233-063F-42B5-8137-9DF3F51BA10A}">
-      <p15:sldGuideLst xmlns:p15="http://schemas.microsoft.com/office/powerpoint/2012/main" xmlns=""/>
+      <p15:sldGuideLst xmlns:p15="http://schemas.microsoft.com/office/powerpoint/2012/main">
+        <p15:guide id="1" orient="horz" pos="2160">
+          <p15:clr>
+            <a:srgbClr val="A4A3A4"/>
+          </p15:clr>
+        </p15:guide>
+        <p15:guide id="2" pos="3840">
+          <p15:clr>
+            <a:srgbClr val="A4A3A4"/>
+          </p15:clr>
+        </p15:guide>
+      </p15:sldGuideLst>
     </p:ext>
   </p:extLst>
 </p:presentation>
@@ -243,7 +254,7 @@
           <a:p>
             <a:fld id="{2077321B-280C-48A1-BCCC-AAC9A441E364}" type="datetimeFigureOut">
               <a:rPr lang="de-CH" smtClean="0"/>
-              <a:t>22.10.2015</a:t>
+              <a:t>29.10.2015</a:t>
             </a:fld>
             <a:endParaRPr lang="de-CH" dirty="0"/>
           </a:p>
@@ -413,7 +424,7 @@
           <a:p>
             <a:fld id="{2077321B-280C-48A1-BCCC-AAC9A441E364}" type="datetimeFigureOut">
               <a:rPr lang="de-CH" smtClean="0"/>
-              <a:t>22.10.2015</a:t>
+              <a:t>29.10.2015</a:t>
             </a:fld>
             <a:endParaRPr lang="de-CH" dirty="0"/>
           </a:p>
@@ -593,7 +604,7 @@
           <a:p>
             <a:fld id="{2077321B-280C-48A1-BCCC-AAC9A441E364}" type="datetimeFigureOut">
               <a:rPr lang="de-CH" smtClean="0"/>
-              <a:t>22.10.2015</a:t>
+              <a:t>29.10.2015</a:t>
             </a:fld>
             <a:endParaRPr lang="de-CH" dirty="0"/>
           </a:p>
@@ -763,7 +774,7 @@
           <a:p>
             <a:fld id="{2077321B-280C-48A1-BCCC-AAC9A441E364}" type="datetimeFigureOut">
               <a:rPr lang="de-CH" smtClean="0"/>
-              <a:t>22.10.2015</a:t>
+              <a:t>29.10.2015</a:t>
             </a:fld>
             <a:endParaRPr lang="de-CH" dirty="0"/>
           </a:p>
@@ -1009,7 +1020,7 @@
           <a:p>
             <a:fld id="{2077321B-280C-48A1-BCCC-AAC9A441E364}" type="datetimeFigureOut">
               <a:rPr lang="de-CH" smtClean="0"/>
-              <a:t>22.10.2015</a:t>
+              <a:t>29.10.2015</a:t>
             </a:fld>
             <a:endParaRPr lang="de-CH" dirty="0"/>
           </a:p>
@@ -1241,7 +1252,7 @@
           <a:p>
             <a:fld id="{2077321B-280C-48A1-BCCC-AAC9A441E364}" type="datetimeFigureOut">
               <a:rPr lang="de-CH" smtClean="0"/>
-              <a:t>22.10.2015</a:t>
+              <a:t>29.10.2015</a:t>
             </a:fld>
             <a:endParaRPr lang="de-CH" dirty="0"/>
           </a:p>
@@ -1608,7 +1619,7 @@
           <a:p>
             <a:fld id="{2077321B-280C-48A1-BCCC-AAC9A441E364}" type="datetimeFigureOut">
               <a:rPr lang="de-CH" smtClean="0"/>
-              <a:t>22.10.2015</a:t>
+              <a:t>29.10.2015</a:t>
             </a:fld>
             <a:endParaRPr lang="de-CH" dirty="0"/>
           </a:p>
@@ -1726,7 +1737,7 @@
           <a:p>
             <a:fld id="{2077321B-280C-48A1-BCCC-AAC9A441E364}" type="datetimeFigureOut">
               <a:rPr lang="de-CH" smtClean="0"/>
-              <a:t>22.10.2015</a:t>
+              <a:t>29.10.2015</a:t>
             </a:fld>
             <a:endParaRPr lang="de-CH" dirty="0"/>
           </a:p>
@@ -1821,7 +1832,7 @@
           <a:p>
             <a:fld id="{2077321B-280C-48A1-BCCC-AAC9A441E364}" type="datetimeFigureOut">
               <a:rPr lang="de-CH" smtClean="0"/>
-              <a:t>22.10.2015</a:t>
+              <a:t>29.10.2015</a:t>
             </a:fld>
             <a:endParaRPr lang="de-CH" dirty="0"/>
           </a:p>
@@ -2098,7 +2109,7 @@
           <a:p>
             <a:fld id="{2077321B-280C-48A1-BCCC-AAC9A441E364}" type="datetimeFigureOut">
               <a:rPr lang="de-CH" smtClean="0"/>
-              <a:t>22.10.2015</a:t>
+              <a:t>29.10.2015</a:t>
             </a:fld>
             <a:endParaRPr lang="de-CH" dirty="0"/>
           </a:p>
@@ -2351,7 +2362,7 @@
           <a:p>
             <a:fld id="{2077321B-280C-48A1-BCCC-AAC9A441E364}" type="datetimeFigureOut">
               <a:rPr lang="de-CH" smtClean="0"/>
-              <a:t>22.10.2015</a:t>
+              <a:t>29.10.2015</a:t>
             </a:fld>
             <a:endParaRPr lang="de-CH" dirty="0"/>
           </a:p>
@@ -2564,7 +2575,7 @@
           <a:p>
             <a:fld id="{2077321B-280C-48A1-BCCC-AAC9A441E364}" type="datetimeFigureOut">
               <a:rPr lang="de-CH" smtClean="0"/>
-              <a:t>22.10.2015</a:t>
+              <a:t>29.10.2015</a:t>
             </a:fld>
             <a:endParaRPr lang="de-CH" dirty="0"/>
           </a:p>
@@ -3421,8 +3432,8 @@
         </p:nvSpPr>
         <p:spPr>
           <a:xfrm>
-            <a:off x="6221778" y="2861276"/>
-            <a:ext cx="1530630" cy="272415"/>
+            <a:off x="6221778" y="2776147"/>
+            <a:ext cx="1530630" cy="442674"/>
           </a:xfrm>
           <a:prstGeom prst="roundRect">
             <a:avLst/>
@@ -3453,8 +3464,9 @@
             <a:pPr algn="ctr"/>
             <a:r>
               <a:rPr lang="de-CH" sz="1000" dirty="0" smtClean="0"/>
-              <a:t>Gegenvorschlag</a:t>
-            </a:r>
+              <a:t>Gegenvorschlag von Sozialarbeiter</a:t>
+            </a:r>
+            <a:endParaRPr lang="de-CH" sz="1000" dirty="0" smtClean="0"/>
           </a:p>
         </p:txBody>
       </p:sp>
@@ -3917,8 +3929,8 @@
         </p:nvCxnSpPr>
         <p:spPr>
           <a:xfrm flipH="1">
-            <a:off x="6987092" y="3133691"/>
-            <a:ext cx="1" cy="395599"/>
+            <a:off x="6987092" y="3218821"/>
+            <a:ext cx="1" cy="310469"/>
           </a:xfrm>
           <a:prstGeom prst="straightConnector1">
             <a:avLst/>
@@ -3954,7 +3966,7 @@
         <p:spPr>
           <a:xfrm flipH="1">
             <a:off x="6987093" y="2213636"/>
-            <a:ext cx="1" cy="647640"/>
+            <a:ext cx="1" cy="562511"/>
           </a:xfrm>
           <a:prstGeom prst="straightConnector1">
             <a:avLst/>
@@ -4503,7 +4515,7 @@
   <a:extraClrSchemeLst/>
   <a:extLst>
     <a:ext uri="{05A4C25C-085E-4340-85A3-A5531E510DB2}">
-      <thm15:themeFamily xmlns:thm15="http://schemas.microsoft.com/office/thememl/2012/main" xmlns="" name="Office Theme" id="{62F939B6-93AF-4DB8-9C6B-D6C7DFDC589F}" vid="{4A3C46E8-61CC-4603-A589-7422A47A8E4A}"/>
+      <thm15:themeFamily xmlns:thm15="http://schemas.microsoft.com/office/thememl/2012/main" name="Office Theme" id="{62F939B6-93AF-4DB8-9C6B-D6C7DFDC589F}" vid="{4A3C46E8-61CC-4603-A589-7422A47A8E4A}"/>
     </a:ext>
   </a:extLst>
 </a:theme>
